--- a/04_logical_device_queue.pptx
+++ b/04_logical_device_queue.pptx
@@ -77,7 +77,7 @@
         <p:txBody>
           <a:bodyPr/>
           <a:p>
-            <a:fld id="{BDF9F2BE-AE0B-4D1F-BF6E-562B91F3AAEC}" type="slidenum">
+            <a:fld id="{AA5D3210-BF4D-432F-BB1F-F25919693AD3}" type="slidenum">
               <a:t>&lt;#&gt;</a:t>
             </a:fld>
           </a:p>
@@ -265,7 +265,7 @@
         <p:txBody>
           <a:bodyPr/>
           <a:p>
-            <a:fld id="{5D091033-FD15-44BF-8743-3584B416A2CA}" type="slidenum">
+            <a:fld id="{712A5A12-2914-4336-9AFA-CA5D7D59EF83}" type="slidenum">
               <a:t>&lt;#&gt;</a:t>
             </a:fld>
           </a:p>
@@ -521,7 +521,7 @@
         <p:txBody>
           <a:bodyPr/>
           <a:p>
-            <a:fld id="{D3AB68B3-DCD6-42CC-AC7E-393AB02C1D5E}" type="slidenum">
+            <a:fld id="{6E202C4F-09B4-4A84-AFE1-F94061B08B56}" type="slidenum">
               <a:t>&lt;#&gt;</a:t>
             </a:fld>
           </a:p>
@@ -845,7 +845,7 @@
         <p:txBody>
           <a:bodyPr/>
           <a:p>
-            <a:fld id="{46E1ACA6-BAB7-4E9F-8793-0C5E01FE7BAA}" type="slidenum">
+            <a:fld id="{9EAEDA6F-EFED-4440-A2CE-BF84C233D03B}" type="slidenum">
               <a:t>&lt;#&gt;</a:t>
             </a:fld>
           </a:p>
@@ -1002,7 +1002,7 @@
         <p:txBody>
           <a:bodyPr/>
           <a:p>
-            <a:fld id="{92A5C67C-BC4D-4715-BFDA-7C0A6E8A1003}" type="slidenum">
+            <a:fld id="{6BB7B8EF-E25F-43C0-BD41-8A1108B48D20}" type="slidenum">
               <a:t>&lt;#&gt;</a:t>
             </a:fld>
           </a:p>
@@ -1156,7 +1156,7 @@
         <p:txBody>
           <a:bodyPr/>
           <a:p>
-            <a:fld id="{D2C3E6AE-63A7-451D-AF4F-55B9C18E0DF9}" type="slidenum">
+            <a:fld id="{111B15B4-A92A-40DF-8D05-B88102F98D53}" type="slidenum">
               <a:t>&lt;#&gt;</a:t>
             </a:fld>
           </a:p>
@@ -1344,7 +1344,7 @@
         <p:txBody>
           <a:bodyPr/>
           <a:p>
-            <a:fld id="{C692B153-8DA1-4FF3-836C-CBA48A4C21F5}" type="slidenum">
+            <a:fld id="{6DEDE524-CE47-431A-B3CD-E09951AB50B1}" type="slidenum">
               <a:t>&lt;#&gt;</a:t>
             </a:fld>
           </a:p>
@@ -1464,7 +1464,7 @@
         <p:txBody>
           <a:bodyPr/>
           <a:p>
-            <a:fld id="{3889B0EA-757E-4DB6-ABDB-18F6C63E6BC2}" type="slidenum">
+            <a:fld id="{E099E451-DB61-46FD-9869-51CC98B5D42B}" type="slidenum">
               <a:t>&lt;#&gt;</a:t>
             </a:fld>
           </a:p>
@@ -1584,7 +1584,7 @@
         <p:txBody>
           <a:bodyPr/>
           <a:p>
-            <a:fld id="{E08C2172-8170-43FA-9C45-9B16F24BD1AA}" type="slidenum">
+            <a:fld id="{685946CD-9094-49C6-9D23-0C9E0C645ED3}" type="slidenum">
               <a:t>&lt;#&gt;</a:t>
             </a:fld>
           </a:p>
@@ -1806,7 +1806,7 @@
         <p:txBody>
           <a:bodyPr/>
           <a:p>
-            <a:fld id="{027C4EB5-ECA0-4902-AD0B-8427A182BF66}" type="slidenum">
+            <a:fld id="{5A1EFC9E-9DDF-4F4F-A3A2-05D589025703}" type="slidenum">
               <a:t>&lt;#&gt;</a:t>
             </a:fld>
           </a:p>
@@ -2028,7 +2028,7 @@
         <p:txBody>
           <a:bodyPr/>
           <a:p>
-            <a:fld id="{726F3E22-E75D-4942-A913-FA1AEDF97E4C}" type="slidenum">
+            <a:fld id="{7C50EA1B-8262-486F-B6E1-A83104A9B93F}" type="slidenum">
               <a:t>&lt;#&gt;</a:t>
             </a:fld>
           </a:p>
@@ -2250,7 +2250,7 @@
         <p:txBody>
           <a:bodyPr/>
           <a:p>
-            <a:fld id="{AEE0C615-E514-40EA-965F-A6450A9A076E}" type="slidenum">
+            <a:fld id="{5001DF61-9FB5-419D-8984-5184A6C23938}" type="slidenum">
               <a:t>&lt;#&gt;</a:t>
             </a:fld>
           </a:p>
@@ -2319,7 +2319,7 @@
         <p:spPr>
           <a:xfrm>
             <a:off x="3124080" y="6356520"/>
-            <a:ext cx="2890440" cy="360000"/>
+            <a:ext cx="2890080" cy="359640"/>
           </a:xfrm>
           <a:prstGeom prst="rect">
             <a:avLst/>
@@ -2376,7 +2376,7 @@
         <p:spPr>
           <a:xfrm>
             <a:off x="6553080" y="6356520"/>
-            <a:ext cx="2128680" cy="360000"/>
+            <a:ext cx="2128320" cy="359640"/>
           </a:xfrm>
           <a:prstGeom prst="rect">
             <a:avLst/>
@@ -2411,7 +2411,7 @@
               </a:lnSpc>
               <a:buNone/>
             </a:pPr>
-            <a:fld id="{C8524A45-CAEF-4582-9121-7FFA6B458CB7}" type="slidenum">
+            <a:fld id="{856DB932-2B7C-4F86-9BB7-6F6434BAB51E}" type="slidenum">
               <a:rPr b="0" lang="en-US" sz="1200" spc="-1" strike="noStrike">
                 <a:solidFill>
                   <a:srgbClr val="8b8b8b"/>
@@ -2439,7 +2439,7 @@
         <p:spPr>
           <a:xfrm>
             <a:off x="457200" y="6356520"/>
-            <a:ext cx="2128680" cy="360000"/>
+            <a:ext cx="2128320" cy="359640"/>
           </a:xfrm>
           <a:prstGeom prst="rect">
             <a:avLst/>
@@ -2508,211 +2508,7 @@
               <a:rPr b="0" lang="en-US" sz="4400" spc="-1" strike="noStrike">
                 <a:latin typeface="Arial"/>
               </a:rPr>
-              <a:t>C</a:t>
-            </a:r>
-            <a:r>
-              <a:rPr b="0" lang="en-US" sz="4400" spc="-1" strike="noStrike">
-                <a:latin typeface="Arial"/>
-              </a:rPr>
-              <a:t>l</a:t>
-            </a:r>
-            <a:r>
-              <a:rPr b="0" lang="en-US" sz="4400" spc="-1" strike="noStrike">
-                <a:latin typeface="Arial"/>
-              </a:rPr>
-              <a:t>i</a:t>
-            </a:r>
-            <a:r>
-              <a:rPr b="0" lang="en-US" sz="4400" spc="-1" strike="noStrike">
-                <a:latin typeface="Arial"/>
-              </a:rPr>
-              <a:t>c</a:t>
-            </a:r>
-            <a:r>
-              <a:rPr b="0" lang="en-US" sz="4400" spc="-1" strike="noStrike">
-                <a:latin typeface="Arial"/>
-              </a:rPr>
-              <a:t>k</a:t>
-            </a:r>
-            <a:r>
-              <a:rPr b="0" lang="en-US" sz="4400" spc="-1" strike="noStrike">
-                <a:latin typeface="Arial"/>
-              </a:rPr>
-              <a:t> </a:t>
-            </a:r>
-            <a:r>
-              <a:rPr b="0" lang="en-US" sz="4400" spc="-1" strike="noStrike">
-                <a:latin typeface="Arial"/>
-              </a:rPr>
-              <a:t>t</a:t>
-            </a:r>
-            <a:r>
-              <a:rPr b="0" lang="en-US" sz="4400" spc="-1" strike="noStrike">
-                <a:latin typeface="Arial"/>
-              </a:rPr>
-              <a:t>o</a:t>
-            </a:r>
-            <a:r>
-              <a:rPr b="0" lang="en-US" sz="4400" spc="-1" strike="noStrike">
-                <a:latin typeface="Arial"/>
-              </a:rPr>
-              <a:t> </a:t>
-            </a:r>
-            <a:r>
-              <a:rPr b="0" lang="en-US" sz="4400" spc="-1" strike="noStrike">
-                <a:latin typeface="Arial"/>
-              </a:rPr>
-              <a:t>e</a:t>
-            </a:r>
-            <a:r>
-              <a:rPr b="0" lang="en-US" sz="4400" spc="-1" strike="noStrike">
-                <a:latin typeface="Arial"/>
-              </a:rPr>
-              <a:t>d</a:t>
-            </a:r>
-            <a:r>
-              <a:rPr b="0" lang="en-US" sz="4400" spc="-1" strike="noStrike">
-                <a:latin typeface="Arial"/>
-              </a:rPr>
-              <a:t>i</a:t>
-            </a:r>
-            <a:r>
-              <a:rPr b="0" lang="en-US" sz="4400" spc="-1" strike="noStrike">
-                <a:latin typeface="Arial"/>
-              </a:rPr>
-              <a:t>t</a:t>
-            </a:r>
-            <a:r>
-              <a:rPr b="0" lang="en-US" sz="4400" spc="-1" strike="noStrike">
-                <a:latin typeface="Arial"/>
-              </a:rPr>
-              <a:t> </a:t>
-            </a:r>
-            <a:r>
-              <a:rPr b="0" lang="en-US" sz="4400" spc="-1" strike="noStrike">
-                <a:latin typeface="Arial"/>
-              </a:rPr>
-              <a:t>t</a:t>
-            </a:r>
-            <a:r>
-              <a:rPr b="0" lang="en-US" sz="4400" spc="-1" strike="noStrike">
-                <a:latin typeface="Arial"/>
-              </a:rPr>
-              <a:t>h</a:t>
-            </a:r>
-            <a:r>
-              <a:rPr b="0" lang="en-US" sz="4400" spc="-1" strike="noStrike">
-                <a:latin typeface="Arial"/>
-              </a:rPr>
-              <a:t>e</a:t>
-            </a:r>
-            <a:r>
-              <a:rPr b="0" lang="en-US" sz="4400" spc="-1" strike="noStrike">
-                <a:latin typeface="Arial"/>
-              </a:rPr>
-              <a:t> </a:t>
-            </a:r>
-            <a:r>
-              <a:rPr b="0" lang="en-US" sz="4400" spc="-1" strike="noStrike">
-                <a:latin typeface="Arial"/>
-              </a:rPr>
-              <a:t>t</a:t>
-            </a:r>
-            <a:r>
-              <a:rPr b="0" lang="en-US" sz="4400" spc="-1" strike="noStrike">
-                <a:latin typeface="Arial"/>
-              </a:rPr>
-              <a:t>i</a:t>
-            </a:r>
-            <a:r>
-              <a:rPr b="0" lang="en-US" sz="4400" spc="-1" strike="noStrike">
-                <a:latin typeface="Arial"/>
-              </a:rPr>
-              <a:t>t</a:t>
-            </a:r>
-            <a:r>
-              <a:rPr b="0" lang="en-US" sz="4400" spc="-1" strike="noStrike">
-                <a:latin typeface="Arial"/>
-              </a:rPr>
-              <a:t>l</a:t>
-            </a:r>
-            <a:r>
-              <a:rPr b="0" lang="en-US" sz="4400" spc="-1" strike="noStrike">
-                <a:latin typeface="Arial"/>
-              </a:rPr>
-              <a:t>e</a:t>
-            </a:r>
-            <a:r>
-              <a:rPr b="0" lang="en-US" sz="4400" spc="-1" strike="noStrike">
-                <a:latin typeface="Arial"/>
-              </a:rPr>
-              <a:t> </a:t>
-            </a:r>
-            <a:r>
-              <a:rPr b="0" lang="en-US" sz="4400" spc="-1" strike="noStrike">
-                <a:latin typeface="Arial"/>
-              </a:rPr>
-              <a:t>t</a:t>
-            </a:r>
-            <a:r>
-              <a:rPr b="0" lang="en-US" sz="4400" spc="-1" strike="noStrike">
-                <a:latin typeface="Arial"/>
-              </a:rPr>
-              <a:t>e</a:t>
-            </a:r>
-            <a:r>
-              <a:rPr b="0" lang="en-US" sz="4400" spc="-1" strike="noStrike">
-                <a:latin typeface="Arial"/>
-              </a:rPr>
-              <a:t>x</a:t>
-            </a:r>
-            <a:r>
-              <a:rPr b="0" lang="en-US" sz="4400" spc="-1" strike="noStrike">
-                <a:latin typeface="Arial"/>
-              </a:rPr>
-              <a:t>t</a:t>
-            </a:r>
-            <a:r>
-              <a:rPr b="0" lang="en-US" sz="4400" spc="-1" strike="noStrike">
-                <a:latin typeface="Arial"/>
-              </a:rPr>
-              <a:t> </a:t>
-            </a:r>
-            <a:r>
-              <a:rPr b="0" lang="en-US" sz="4400" spc="-1" strike="noStrike">
-                <a:latin typeface="Arial"/>
-              </a:rPr>
-              <a:t>f</a:t>
-            </a:r>
-            <a:r>
-              <a:rPr b="0" lang="en-US" sz="4400" spc="-1" strike="noStrike">
-                <a:latin typeface="Arial"/>
-              </a:rPr>
-              <a:t>o</a:t>
-            </a:r>
-            <a:r>
-              <a:rPr b="0" lang="en-US" sz="4400" spc="-1" strike="noStrike">
-                <a:latin typeface="Arial"/>
-              </a:rPr>
-              <a:t>r</a:t>
-            </a:r>
-            <a:r>
-              <a:rPr b="0" lang="en-US" sz="4400" spc="-1" strike="noStrike">
-                <a:latin typeface="Arial"/>
-              </a:rPr>
-              <a:t>m</a:t>
-            </a:r>
-            <a:r>
-              <a:rPr b="0" lang="en-US" sz="4400" spc="-1" strike="noStrike">
-                <a:latin typeface="Arial"/>
-              </a:rPr>
-              <a:t>a</a:t>
-            </a:r>
-            <a:r>
-              <a:rPr b="0" lang="en-US" sz="4400" spc="-1" strike="noStrike">
-                <a:latin typeface="Arial"/>
-              </a:rPr>
-              <a:t>t</a:t>
+              <a:t>Click to edit the title text format</a:t>
             </a:r>
             <a:endParaRPr b="0" lang="en-US" sz="4400" spc="-1" strike="noStrike">
               <a:latin typeface="Arial"/>
@@ -2953,7 +2749,7 @@
         <p:spPr>
           <a:xfrm>
             <a:off x="0" y="2130480"/>
-            <a:ext cx="9138960" cy="1464840"/>
+            <a:ext cx="9138600" cy="1464480"/>
           </a:xfrm>
           <a:prstGeom prst="rect">
             <a:avLst/>
@@ -3004,7 +2800,7 @@
         <p:spPr>
           <a:xfrm>
             <a:off x="1259640" y="4581000"/>
-            <a:ext cx="6395760" cy="689760"/>
+            <a:ext cx="6395400" cy="689400"/>
           </a:xfrm>
           <a:prstGeom prst="rect">
             <a:avLst/>
@@ -3059,7 +2855,7 @@
         <p:spPr>
           <a:xfrm>
             <a:off x="3564000" y="3707280"/>
-            <a:ext cx="1608840" cy="847800"/>
+            <a:ext cx="1608480" cy="847440"/>
           </a:xfrm>
           <a:prstGeom prst="rect">
             <a:avLst/>
@@ -3083,7 +2879,7 @@
         <p:txBody>
           <a:bodyPr/>
           <a:p>
-            <a:fld id="{3F74F752-A7D6-4C68-82FB-49A83921D4D8}" type="slidenum">
+            <a:fld id="{EF7EA7CE-961C-49E8-B868-2514829C17D8}" type="slidenum">
               <a:t>1</a:t>
             </a:fld>
           </a:p>
@@ -3103,7 +2899,7 @@
         <p:txBody>
           <a:bodyPr/>
           <a:p>
-            <a:fld id="{0695E0A5-34CB-417E-93C8-B7D42C0A18B6}" type="datetime1">
+            <a:fld id="{015016CB-5BD0-435A-9D1C-D57CF7E17FFE}" type="datetime1">
               <a:rPr lang="en-US"/>
               <a:t>12/10/2022</a:t>
             </a:fld>
@@ -3153,7 +2949,7 @@
         <p:spPr>
           <a:xfrm>
             <a:off x="2878920" y="2039400"/>
-            <a:ext cx="5806080" cy="4590000"/>
+            <a:ext cx="5805720" cy="4589640"/>
           </a:xfrm>
           <a:prstGeom prst="rect">
             <a:avLst/>
@@ -3176,7 +2972,7 @@
         <p:spPr>
           <a:xfrm>
             <a:off x="0" y="2520"/>
-            <a:ext cx="9138960" cy="759600"/>
+            <a:ext cx="9138600" cy="759240"/>
           </a:xfrm>
           <a:prstGeom prst="rect">
             <a:avLst/>
@@ -3235,7 +3031,7 @@
         <p:spPr>
           <a:xfrm>
             <a:off x="467640" y="1371600"/>
-            <a:ext cx="8217360" cy="667800"/>
+            <a:ext cx="8217000" cy="667440"/>
           </a:xfrm>
           <a:prstGeom prst="rect">
             <a:avLst/>
@@ -3291,7 +3087,7 @@
         <p:spPr>
           <a:xfrm>
             <a:off x="0" y="764640"/>
-            <a:ext cx="9138960" cy="354960"/>
+            <a:ext cx="9138600" cy="354600"/>
           </a:xfrm>
           <a:prstGeom prst="rect">
             <a:avLst/>
@@ -3353,7 +3149,7 @@
         <p:spPr>
           <a:xfrm>
             <a:off x="3657600" y="3480840"/>
-            <a:ext cx="4572000" cy="2691360"/>
+            <a:ext cx="4571640" cy="2691000"/>
           </a:xfrm>
           <a:prstGeom prst="rect">
             <a:avLst/>
@@ -3386,7 +3182,7 @@
         <p:txBody>
           <a:bodyPr/>
           <a:p>
-            <a:fld id="{A0502206-680B-4CBF-99A2-B2CF99BEC953}" type="slidenum">
+            <a:fld id="{17BA73EA-604B-4F48-8412-AA68DE452D56}" type="slidenum">
               <a:t>10</a:t>
             </a:fld>
           </a:p>
@@ -3406,7 +3202,7 @@
         <p:txBody>
           <a:bodyPr/>
           <a:p>
-            <a:fld id="{3317FEAF-7714-4ACC-9523-33FFCE6A3C36}" type="datetime1">
+            <a:fld id="{8E28D5A8-7294-46C9-B0B1-04029C1F689A}" type="datetime1">
               <a:rPr lang="en-US"/>
               <a:t>12/10/2022</a:t>
             </a:fld>
@@ -3456,7 +3252,7 @@
         <p:spPr>
           <a:xfrm>
             <a:off x="543240" y="2514600"/>
-            <a:ext cx="8600760" cy="3704760"/>
+            <a:ext cx="8600400" cy="3704400"/>
           </a:xfrm>
           <a:prstGeom prst="rect">
             <a:avLst/>
@@ -3479,7 +3275,7 @@
         <p:spPr>
           <a:xfrm>
             <a:off x="0" y="2520"/>
-            <a:ext cx="9138960" cy="759600"/>
+            <a:ext cx="9138600" cy="759240"/>
           </a:xfrm>
           <a:prstGeom prst="rect">
             <a:avLst/>
@@ -3538,7 +3334,7 @@
         <p:spPr>
           <a:xfrm>
             <a:off x="467640" y="1371600"/>
-            <a:ext cx="8217360" cy="667800"/>
+            <a:ext cx="8217000" cy="667440"/>
           </a:xfrm>
           <a:prstGeom prst="rect">
             <a:avLst/>
@@ -3594,7 +3390,7 @@
         <p:spPr>
           <a:xfrm>
             <a:off x="0" y="764640"/>
-            <a:ext cx="9138960" cy="354960"/>
+            <a:ext cx="9138600" cy="354600"/>
           </a:xfrm>
           <a:prstGeom prst="rect">
             <a:avLst/>
@@ -3656,7 +3452,7 @@
         <p:spPr>
           <a:xfrm>
             <a:off x="1828800" y="3252240"/>
-            <a:ext cx="4572000" cy="633960"/>
+            <a:ext cx="4571640" cy="633600"/>
           </a:xfrm>
           <a:prstGeom prst="rect">
             <a:avLst/>
@@ -3689,7 +3485,7 @@
         <p:txBody>
           <a:bodyPr/>
           <a:p>
-            <a:fld id="{60C03CC7-460B-490B-8ADF-9B52A7692B5B}" type="slidenum">
+            <a:fld id="{AF96BE9D-A983-4A7F-B7C2-A3A403CD42BA}" type="slidenum">
               <a:t>11</a:t>
             </a:fld>
           </a:p>
@@ -3709,7 +3505,7 @@
         <p:txBody>
           <a:bodyPr/>
           <a:p>
-            <a:fld id="{47BCEBBC-65F0-414A-B0F3-AE6860D80BD1}" type="datetime1">
+            <a:fld id="{E5042CC3-736D-4FA1-AD2C-A92F28112EB4}" type="datetime1">
               <a:rPr lang="en-US"/>
               <a:t>12/10/2022</a:t>
             </a:fld>
@@ -3759,7 +3555,7 @@
         <p:spPr>
           <a:xfrm>
             <a:off x="0" y="2130480"/>
-            <a:ext cx="9138960" cy="1464840"/>
+            <a:ext cx="9138600" cy="1464480"/>
           </a:xfrm>
           <a:prstGeom prst="rect">
             <a:avLst/>
@@ -3810,7 +3606,7 @@
         <p:spPr>
           <a:xfrm>
             <a:off x="3564000" y="3707280"/>
-            <a:ext cx="1608840" cy="847800"/>
+            <a:ext cx="1608480" cy="847440"/>
           </a:xfrm>
           <a:prstGeom prst="rect">
             <a:avLst/>
@@ -3834,7 +3630,7 @@
         <p:txBody>
           <a:bodyPr/>
           <a:p>
-            <a:fld id="{B51E78BC-A27D-4557-A40C-D934C72DE8C7}" type="slidenum">
+            <a:fld id="{21770E58-9A97-4286-9370-959D0AE67195}" type="slidenum">
               <a:t>12</a:t>
             </a:fld>
           </a:p>
@@ -3854,7 +3650,7 @@
         <p:txBody>
           <a:bodyPr/>
           <a:p>
-            <a:fld id="{0AC98429-CAF9-41FB-AE32-17B872044EC4}" type="datetime1">
+            <a:fld id="{5C8CB95C-6AD7-4621-A5B2-6D2159506BD2}" type="datetime1">
               <a:rPr lang="en-US"/>
               <a:t>12/10/2022</a:t>
             </a:fld>
@@ -3904,7 +3700,7 @@
         <p:spPr>
           <a:xfrm>
             <a:off x="457200" y="2057400"/>
-            <a:ext cx="8600760" cy="3704760"/>
+            <a:ext cx="8600400" cy="3704400"/>
           </a:xfrm>
           <a:prstGeom prst="rect">
             <a:avLst/>
@@ -3927,7 +3723,7 @@
         <p:spPr>
           <a:xfrm>
             <a:off x="0" y="2520"/>
-            <a:ext cx="9138960" cy="759600"/>
+            <a:ext cx="9138600" cy="759240"/>
           </a:xfrm>
           <a:prstGeom prst="rect">
             <a:avLst/>
@@ -3986,7 +3782,7 @@
         <p:spPr>
           <a:xfrm>
             <a:off x="467640" y="1371600"/>
-            <a:ext cx="8217360" cy="667800"/>
+            <a:ext cx="8217000" cy="667440"/>
           </a:xfrm>
           <a:prstGeom prst="rect">
             <a:avLst/>
@@ -4042,7 +3838,7 @@
         <p:spPr>
           <a:xfrm>
             <a:off x="0" y="764640"/>
-            <a:ext cx="9138960" cy="354960"/>
+            <a:ext cx="9138600" cy="354600"/>
           </a:xfrm>
           <a:prstGeom prst="rect">
             <a:avLst/>
@@ -4104,7 +3900,7 @@
         <p:spPr>
           <a:xfrm>
             <a:off x="1600200" y="3729600"/>
-            <a:ext cx="2286000" cy="457200"/>
+            <a:ext cx="2285640" cy="456840"/>
           </a:xfrm>
           <a:prstGeom prst="rect">
             <a:avLst/>
@@ -4137,7 +3933,7 @@
         <p:txBody>
           <a:bodyPr/>
           <a:p>
-            <a:fld id="{677A4FFA-8C09-4FA1-9BBE-082FC6327CF0}" type="slidenum">
+            <a:fld id="{1207D395-F1E5-4BC3-95CE-02CEC34C49E2}" type="slidenum">
               <a:t>13</a:t>
             </a:fld>
           </a:p>
@@ -4157,7 +3953,7 @@
         <p:txBody>
           <a:bodyPr/>
           <a:p>
-            <a:fld id="{076F771A-A250-4A55-9F5C-5829136A97EE}" type="datetime1">
+            <a:fld id="{DD6745A3-0F5A-4B1A-ADF7-5B1A15FA19AD}" type="datetime1">
               <a:rPr lang="en-US"/>
               <a:t>12/10/2022</a:t>
             </a:fld>
@@ -4207,7 +4003,7 @@
         <p:spPr>
           <a:xfrm>
             <a:off x="1744920" y="1683720"/>
-            <a:ext cx="6256080" cy="4945680"/>
+            <a:ext cx="6255720" cy="4945320"/>
           </a:xfrm>
           <a:prstGeom prst="rect">
             <a:avLst/>
@@ -4230,7 +4026,7 @@
         <p:spPr>
           <a:xfrm>
             <a:off x="0" y="2520"/>
-            <a:ext cx="9138960" cy="759600"/>
+            <a:ext cx="9138600" cy="759240"/>
           </a:xfrm>
           <a:prstGeom prst="rect">
             <a:avLst/>
@@ -4289,7 +4085,7 @@
         <p:spPr>
           <a:xfrm>
             <a:off x="467640" y="1371600"/>
-            <a:ext cx="7761960" cy="312120"/>
+            <a:ext cx="7761600" cy="311760"/>
           </a:xfrm>
           <a:prstGeom prst="rect">
             <a:avLst/>
@@ -4345,7 +4141,7 @@
         <p:spPr>
           <a:xfrm>
             <a:off x="0" y="764640"/>
-            <a:ext cx="9138960" cy="354960"/>
+            <a:ext cx="9138600" cy="354600"/>
           </a:xfrm>
           <a:prstGeom prst="rect">
             <a:avLst/>
@@ -4407,7 +4203,7 @@
         <p:spPr>
           <a:xfrm>
             <a:off x="2743200" y="5943600"/>
-            <a:ext cx="5029200" cy="228600"/>
+            <a:ext cx="5028840" cy="228240"/>
           </a:xfrm>
           <a:prstGeom prst="rect">
             <a:avLst/>
@@ -4440,7 +4236,7 @@
         <p:txBody>
           <a:bodyPr/>
           <a:p>
-            <a:fld id="{228A1C61-DCB8-48F3-8726-7245A0A7F0B1}" type="slidenum">
+            <a:fld id="{5058E24E-2CFC-4FCB-B140-1BB67B32001C}" type="slidenum">
               <a:t>14</a:t>
             </a:fld>
           </a:p>
@@ -4460,7 +4256,7 @@
         <p:txBody>
           <a:bodyPr/>
           <a:p>
-            <a:fld id="{A5021539-A6A8-44C5-BFB3-B8670299F7E6}" type="datetime1">
+            <a:fld id="{B49E834E-F996-400A-9C8A-7EF736C41F51}" type="datetime1">
               <a:rPr lang="en-US"/>
               <a:t>12/10/2022</a:t>
             </a:fld>
@@ -4510,7 +4306,7 @@
         <p:spPr>
           <a:xfrm>
             <a:off x="0" y="2130480"/>
-            <a:ext cx="9138960" cy="1464840"/>
+            <a:ext cx="9138600" cy="1464480"/>
           </a:xfrm>
           <a:prstGeom prst="rect">
             <a:avLst/>
@@ -4570,7 +4366,7 @@
         <p:txBody>
           <a:bodyPr/>
           <a:p>
-            <a:fld id="{6DE2573F-E314-4C84-AE99-D56DEF7BB316}" type="slidenum">
+            <a:fld id="{9388AE2A-A662-4F22-9E90-F687C0D6C0FA}" type="slidenum">
               <a:t>15</a:t>
             </a:fld>
           </a:p>
@@ -4590,7 +4386,7 @@
         <p:txBody>
           <a:bodyPr/>
           <a:p>
-            <a:fld id="{37924076-34FA-423F-B0EF-809E38408945}" type="datetime1">
+            <a:fld id="{2A64EDFE-2553-4FB9-AE7A-99440DAECFBD}" type="datetime1">
               <a:rPr lang="en-US"/>
               <a:t>12/10/2022</a:t>
             </a:fld>
@@ -4640,7 +4436,7 @@
         <p:spPr>
           <a:xfrm>
             <a:off x="0" y="2520"/>
-            <a:ext cx="9138960" cy="759600"/>
+            <a:ext cx="9138600" cy="759240"/>
           </a:xfrm>
           <a:prstGeom prst="rect">
             <a:avLst/>
@@ -4678,250 +4474,7 @@
                 </a:solidFill>
                 <a:latin typeface="Calibri"/>
               </a:rPr>
-              <a:t>0</a:t>
-            </a:r>
-            <a:r>
-              <a:rPr b="1" lang="en-US" sz="4000" spc="-1" strike="noStrike">
-                <a:solidFill>
-                  <a:srgbClr val="ffff00"/>
-                </a:solidFill>
-                <a:latin typeface="Calibri"/>
-              </a:rPr>
-              <a:t>0</a:t>
-            </a:r>
-            <a:r>
-              <a:rPr b="1" lang="en-US" sz="4000" spc="-1" strike="noStrike">
-                <a:solidFill>
-                  <a:srgbClr val="ffff00"/>
-                </a:solidFill>
-                <a:latin typeface="Calibri"/>
-              </a:rPr>
-              <a:t>4</a:t>
-            </a:r>
-            <a:r>
-              <a:rPr b="1" lang="en-US" sz="4000" spc="-1" strike="noStrike">
-                <a:solidFill>
-                  <a:srgbClr val="ffff00"/>
-                </a:solidFill>
-                <a:latin typeface="Calibri"/>
-              </a:rPr>
-              <a:t> </a:t>
-            </a:r>
-            <a:r>
-              <a:rPr b="1" lang="en-US" sz="4000" spc="-1" strike="noStrike">
-                <a:solidFill>
-                  <a:srgbClr val="ffff00"/>
-                </a:solidFill>
-                <a:latin typeface="Calibri"/>
-              </a:rPr>
-              <a:t>L</a:t>
-            </a:r>
-            <a:r>
-              <a:rPr b="1" lang="en-US" sz="4000" spc="-1" strike="noStrike">
-                <a:solidFill>
-                  <a:srgbClr val="ffff00"/>
-                </a:solidFill>
-                <a:latin typeface="Calibri"/>
-              </a:rPr>
-              <a:t>o</a:t>
-            </a:r>
-            <a:r>
-              <a:rPr b="1" lang="en-US" sz="4000" spc="-1" strike="noStrike">
-                <a:solidFill>
-                  <a:srgbClr val="ffff00"/>
-                </a:solidFill>
-                <a:latin typeface="Calibri"/>
-              </a:rPr>
-              <a:t>g</a:t>
-            </a:r>
-            <a:r>
-              <a:rPr b="1" lang="en-US" sz="4000" spc="-1" strike="noStrike">
-                <a:solidFill>
-                  <a:srgbClr val="ffff00"/>
-                </a:solidFill>
-                <a:latin typeface="Calibri"/>
-              </a:rPr>
-              <a:t>i</a:t>
-            </a:r>
-            <a:r>
-              <a:rPr b="1" lang="en-US" sz="4000" spc="-1" strike="noStrike">
-                <a:solidFill>
-                  <a:srgbClr val="ffff00"/>
-                </a:solidFill>
-                <a:latin typeface="Calibri"/>
-              </a:rPr>
-              <a:t>c</a:t>
-            </a:r>
-            <a:r>
-              <a:rPr b="1" lang="en-US" sz="4000" spc="-1" strike="noStrike">
-                <a:solidFill>
-                  <a:srgbClr val="ffff00"/>
-                </a:solidFill>
-                <a:latin typeface="Calibri"/>
-              </a:rPr>
-              <a:t>a</a:t>
-            </a:r>
-            <a:r>
-              <a:rPr b="1" lang="en-US" sz="4000" spc="-1" strike="noStrike">
-                <a:solidFill>
-                  <a:srgbClr val="ffff00"/>
-                </a:solidFill>
-                <a:latin typeface="Calibri"/>
-              </a:rPr>
-              <a:t>l</a:t>
-            </a:r>
-            <a:r>
-              <a:rPr b="1" lang="en-US" sz="4000" spc="-1" strike="noStrike">
-                <a:solidFill>
-                  <a:srgbClr val="ffff00"/>
-                </a:solidFill>
-                <a:latin typeface="Calibri"/>
-              </a:rPr>
-              <a:t> </a:t>
-            </a:r>
-            <a:r>
-              <a:rPr b="1" lang="en-US" sz="4000" spc="-1" strike="noStrike">
-                <a:solidFill>
-                  <a:srgbClr val="ffff00"/>
-                </a:solidFill>
-                <a:latin typeface="Calibri"/>
-              </a:rPr>
-              <a:t>D</a:t>
-            </a:r>
-            <a:r>
-              <a:rPr b="1" lang="en-US" sz="4000" spc="-1" strike="noStrike">
-                <a:solidFill>
-                  <a:srgbClr val="ffff00"/>
-                </a:solidFill>
-                <a:latin typeface="Calibri"/>
-              </a:rPr>
-              <a:t>e</a:t>
-            </a:r>
-            <a:r>
-              <a:rPr b="1" lang="en-US" sz="4000" spc="-1" strike="noStrike">
-                <a:solidFill>
-                  <a:srgbClr val="ffff00"/>
-                </a:solidFill>
-                <a:latin typeface="Calibri"/>
-              </a:rPr>
-              <a:t>v</a:t>
-            </a:r>
-            <a:r>
-              <a:rPr b="1" lang="en-US" sz="4000" spc="-1" strike="noStrike">
-                <a:solidFill>
-                  <a:srgbClr val="ffff00"/>
-                </a:solidFill>
-                <a:latin typeface="Calibri"/>
-              </a:rPr>
-              <a:t>i</a:t>
-            </a:r>
-            <a:r>
-              <a:rPr b="1" lang="en-US" sz="4000" spc="-1" strike="noStrike">
-                <a:solidFill>
-                  <a:srgbClr val="ffff00"/>
-                </a:solidFill>
-                <a:latin typeface="Calibri"/>
-              </a:rPr>
-              <a:t>c</a:t>
-            </a:r>
-            <a:r>
-              <a:rPr b="1" lang="en-US" sz="4000" spc="-1" strike="noStrike">
-                <a:solidFill>
-                  <a:srgbClr val="ffff00"/>
-                </a:solidFill>
-                <a:latin typeface="Calibri"/>
-              </a:rPr>
-              <a:t>e</a:t>
-            </a:r>
-            <a:r>
-              <a:rPr b="1" lang="en-US" sz="4000" spc="-1" strike="noStrike">
-                <a:solidFill>
-                  <a:srgbClr val="ffff00"/>
-                </a:solidFill>
-                <a:latin typeface="Calibri"/>
-              </a:rPr>
-              <a:t> </a:t>
-            </a:r>
-            <a:r>
-              <a:rPr b="1" lang="en-US" sz="4000" spc="-1" strike="noStrike">
-                <a:solidFill>
-                  <a:srgbClr val="ffff00"/>
-                </a:solidFill>
-                <a:latin typeface="Calibri"/>
-              </a:rPr>
-              <a:t>a</a:t>
-            </a:r>
-            <a:r>
-              <a:rPr b="1" lang="en-US" sz="4000" spc="-1" strike="noStrike">
-                <a:solidFill>
-                  <a:srgbClr val="ffff00"/>
-                </a:solidFill>
-                <a:latin typeface="Calibri"/>
-              </a:rPr>
-              <a:t>n</a:t>
-            </a:r>
-            <a:r>
-              <a:rPr b="1" lang="en-US" sz="4000" spc="-1" strike="noStrike">
-                <a:solidFill>
-                  <a:srgbClr val="ffff00"/>
-                </a:solidFill>
-                <a:latin typeface="Calibri"/>
-              </a:rPr>
-              <a:t>d</a:t>
-            </a:r>
-            <a:r>
-              <a:rPr b="1" lang="en-US" sz="4000" spc="-1" strike="noStrike">
-                <a:solidFill>
-                  <a:srgbClr val="ffff00"/>
-                </a:solidFill>
-                <a:latin typeface="Calibri"/>
-              </a:rPr>
-              <a:t> </a:t>
-            </a:r>
-            <a:r>
-              <a:rPr b="1" lang="en-US" sz="4000" spc="-1" strike="noStrike">
-                <a:solidFill>
-                  <a:srgbClr val="ffff00"/>
-                </a:solidFill>
-                <a:latin typeface="Calibri"/>
-              </a:rPr>
-              <a:t>Q</a:t>
-            </a:r>
-            <a:r>
-              <a:rPr b="1" lang="en-US" sz="4000" spc="-1" strike="noStrike">
-                <a:solidFill>
-                  <a:srgbClr val="ffff00"/>
-                </a:solidFill>
-                <a:latin typeface="Calibri"/>
-              </a:rPr>
-              <a:t>u</a:t>
-            </a:r>
-            <a:r>
-              <a:rPr b="1" lang="en-US" sz="4000" spc="-1" strike="noStrike">
-                <a:solidFill>
-                  <a:srgbClr val="ffff00"/>
-                </a:solidFill>
-                <a:latin typeface="Calibri"/>
-              </a:rPr>
-              <a:t>e</a:t>
-            </a:r>
-            <a:r>
-              <a:rPr b="1" lang="en-US" sz="4000" spc="-1" strike="noStrike">
-                <a:solidFill>
-                  <a:srgbClr val="ffff00"/>
-                </a:solidFill>
-                <a:latin typeface="Calibri"/>
-              </a:rPr>
-              <a:t>u</a:t>
-            </a:r>
-            <a:r>
-              <a:rPr b="1" lang="en-US" sz="4000" spc="-1" strike="noStrike">
-                <a:solidFill>
-                  <a:srgbClr val="ffff00"/>
-                </a:solidFill>
-                <a:latin typeface="Calibri"/>
-              </a:rPr>
-              <a:t>e</a:t>
+              <a:t>004 Logical Device and Queue</a:t>
             </a:r>
             <a:endParaRPr b="0" lang="en-US" sz="4000" spc="-1" strike="noStrike">
               <a:latin typeface="Arial"/>
@@ -4942,7 +4495,7 @@
         <p:spPr>
           <a:xfrm>
             <a:off x="467640" y="1371600"/>
-            <a:ext cx="8217360" cy="2286000"/>
+            <a:ext cx="8217000" cy="2285640"/>
           </a:xfrm>
           <a:prstGeom prst="rect">
             <a:avLst/>
@@ -5168,7 +4721,7 @@
         <p:spPr>
           <a:xfrm>
             <a:off x="0" y="764640"/>
-            <a:ext cx="9138960" cy="354960"/>
+            <a:ext cx="9138600" cy="354600"/>
           </a:xfrm>
           <a:prstGeom prst="rect">
             <a:avLst/>
@@ -5196,7 +4749,7 @@
         </p:style>
         <p:txBody>
           <a:bodyPr lIns="90000" rIns="90000" tIns="45000" bIns="45000" anchor="ctr">
-            <a:normAutofit fontScale="81000"/>
+            <a:normAutofit fontScale="95000"/>
           </a:bodyPr>
           <a:p>
             <a:pPr>
@@ -5213,7 +4766,7 @@
                 <a:latin typeface="Calibri"/>
                 <a:ea typeface="DejaVu Sans"/>
               </a:rPr>
-              <a:t>https://vulkan-tutorial.com/Drawing_a_triangle/Setup/Physical_devices_and_queue_families</a:t>
+              <a:t>https://vulkan-tutorial.com/Drawing_a_triangle/Setup/Logical_device_and_queues</a:t>
             </a:r>
             <a:endParaRPr b="0" lang="en-US" sz="1800" spc="-1" strike="noStrike">
               <a:latin typeface="Arial"/>
@@ -5235,7 +4788,7 @@
         <p:txBody>
           <a:bodyPr/>
           <a:p>
-            <a:fld id="{96C3279B-CE91-4291-BC06-1BA765666634}" type="slidenum">
+            <a:fld id="{EDF2C31A-B749-41D6-9D8B-57FE5A22112E}" type="slidenum">
               <a:t>2</a:t>
             </a:fld>
           </a:p>
@@ -5255,7 +4808,7 @@
         <p:txBody>
           <a:bodyPr/>
           <a:p>
-            <a:fld id="{D9ECF384-BD34-43A3-BBF2-412CD62F28EA}" type="datetime1">
+            <a:fld id="{9A0996CB-11F4-4C3A-B391-324E7A05B190}" type="datetime1">
               <a:rPr lang="en-US"/>
               <a:t>12/10/2022</a:t>
             </a:fld>
@@ -5305,7 +4858,7 @@
         <p:spPr>
           <a:xfrm>
             <a:off x="0" y="2130480"/>
-            <a:ext cx="9138960" cy="1464840"/>
+            <a:ext cx="9138600" cy="1464480"/>
           </a:xfrm>
           <a:prstGeom prst="rect">
             <a:avLst/>
@@ -5356,7 +4909,7 @@
         <p:spPr>
           <a:xfrm>
             <a:off x="3564000" y="3707280"/>
-            <a:ext cx="1608840" cy="847800"/>
+            <a:ext cx="1608480" cy="847440"/>
           </a:xfrm>
           <a:prstGeom prst="rect">
             <a:avLst/>
@@ -5380,7 +4933,7 @@
         <p:txBody>
           <a:bodyPr/>
           <a:p>
-            <a:fld id="{337864F5-62D8-43B3-AEF7-7077D55ECD8D}" type="slidenum">
+            <a:fld id="{F54AFC2F-838E-4B0B-9A00-B5D24F1FFEF9}" type="slidenum">
               <a:t>3</a:t>
             </a:fld>
           </a:p>
@@ -5400,7 +4953,7 @@
         <p:txBody>
           <a:bodyPr/>
           <a:p>
-            <a:fld id="{68D9587F-71A6-431E-90A6-4E5829914E10}" type="datetime1">
+            <a:fld id="{ECF2C604-3C1E-47E7-9F50-7C004AE8F31C}" type="datetime1">
               <a:rPr lang="en-US"/>
               <a:t>12/10/2022</a:t>
             </a:fld>
@@ -5450,7 +5003,7 @@
         <p:spPr>
           <a:xfrm>
             <a:off x="0" y="2520"/>
-            <a:ext cx="9138960" cy="759600"/>
+            <a:ext cx="9138600" cy="759240"/>
           </a:xfrm>
           <a:prstGeom prst="rect">
             <a:avLst/>
@@ -5509,7 +5062,7 @@
         <p:spPr>
           <a:xfrm>
             <a:off x="467640" y="1371600"/>
-            <a:ext cx="8217360" cy="1600200"/>
+            <a:ext cx="8217000" cy="1599840"/>
           </a:xfrm>
           <a:prstGeom prst="rect">
             <a:avLst/>
@@ -5651,7 +5204,7 @@
         <p:spPr>
           <a:xfrm>
             <a:off x="0" y="764640"/>
-            <a:ext cx="9138960" cy="354960"/>
+            <a:ext cx="9138600" cy="354600"/>
           </a:xfrm>
           <a:prstGeom prst="rect">
             <a:avLst/>
@@ -5717,7 +5270,7 @@
         <p:spPr>
           <a:xfrm>
             <a:off x="1828800" y="2543400"/>
-            <a:ext cx="6629400" cy="4086000"/>
+            <a:ext cx="6629040" cy="4085640"/>
           </a:xfrm>
           <a:prstGeom prst="rect">
             <a:avLst/>
@@ -5736,7 +5289,7 @@
         <p:spPr>
           <a:xfrm>
             <a:off x="2743200" y="3324240"/>
-            <a:ext cx="1371600" cy="176760"/>
+            <a:ext cx="1371240" cy="176400"/>
           </a:xfrm>
           <a:prstGeom prst="rect">
             <a:avLst/>
@@ -5764,7 +5317,7 @@
         <p:spPr>
           <a:xfrm>
             <a:off x="2971800" y="5574240"/>
-            <a:ext cx="1600200" cy="176760"/>
+            <a:ext cx="1599840" cy="176400"/>
           </a:xfrm>
           <a:prstGeom prst="rect">
             <a:avLst/>
@@ -5797,7 +5350,7 @@
         <p:txBody>
           <a:bodyPr/>
           <a:p>
-            <a:fld id="{4708B692-6B6C-4762-89F3-D8467E8E7341}" type="slidenum">
+            <a:fld id="{C46B44D2-0200-4A94-8216-D7531AA4EBB6}" type="slidenum">
               <a:t>4</a:t>
             </a:fld>
           </a:p>
@@ -5817,7 +5370,7 @@
         <p:txBody>
           <a:bodyPr/>
           <a:p>
-            <a:fld id="{98EF826B-F21D-4091-AB9D-EE43F771CD55}" type="datetime1">
+            <a:fld id="{8ECA7A9A-763B-491F-9D45-30E86B19E5E6}" type="datetime1">
               <a:rPr lang="en-US"/>
               <a:t>12/10/2022</a:t>
             </a:fld>
@@ -5867,7 +5420,7 @@
         <p:spPr>
           <a:xfrm>
             <a:off x="0" y="2130480"/>
-            <a:ext cx="9138960" cy="1464840"/>
+            <a:ext cx="9138600" cy="1464480"/>
           </a:xfrm>
           <a:prstGeom prst="rect">
             <a:avLst/>
@@ -5918,7 +5471,7 @@
         <p:spPr>
           <a:xfrm>
             <a:off x="3564000" y="3707280"/>
-            <a:ext cx="1608840" cy="847800"/>
+            <a:ext cx="1608480" cy="847440"/>
           </a:xfrm>
           <a:prstGeom prst="rect">
             <a:avLst/>
@@ -5942,7 +5495,7 @@
         <p:txBody>
           <a:bodyPr/>
           <a:p>
-            <a:fld id="{0927C991-67C9-4F42-AC36-4538CF6549E9}" type="slidenum">
+            <a:fld id="{DDF4FB2F-AF9D-47FC-B645-A8145F51A7A8}" type="slidenum">
               <a:t>5</a:t>
             </a:fld>
           </a:p>
@@ -5962,7 +5515,7 @@
         <p:txBody>
           <a:bodyPr/>
           <a:p>
-            <a:fld id="{8F5ECE50-7180-4464-9DD0-5E43D9F33256}" type="datetime1">
+            <a:fld id="{6C0C82CD-8EA8-49B6-A9D0-17A7D6A5F413}" type="datetime1">
               <a:rPr lang="en-US"/>
               <a:t>12/10/2022</a:t>
             </a:fld>
@@ -6012,7 +5565,7 @@
         <p:spPr>
           <a:xfrm>
             <a:off x="2880720" y="2039400"/>
-            <a:ext cx="5806080" cy="4590000"/>
+            <a:ext cx="5805720" cy="4589640"/>
           </a:xfrm>
           <a:prstGeom prst="rect">
             <a:avLst/>
@@ -6035,7 +5588,7 @@
         <p:spPr>
           <a:xfrm>
             <a:off x="0" y="2520"/>
-            <a:ext cx="9138960" cy="759600"/>
+            <a:ext cx="9138600" cy="759240"/>
           </a:xfrm>
           <a:prstGeom prst="rect">
             <a:avLst/>
@@ -6094,7 +5647,7 @@
         <p:spPr>
           <a:xfrm>
             <a:off x="467640" y="1371600"/>
-            <a:ext cx="8217360" cy="667800"/>
+            <a:ext cx="8217000" cy="667440"/>
           </a:xfrm>
           <a:prstGeom prst="rect">
             <a:avLst/>
@@ -6178,7 +5731,7 @@
         <p:spPr>
           <a:xfrm>
             <a:off x="0" y="764640"/>
-            <a:ext cx="9138960" cy="354960"/>
+            <a:ext cx="9138600" cy="354600"/>
           </a:xfrm>
           <a:prstGeom prst="rect">
             <a:avLst/>
@@ -6240,7 +5793,7 @@
         <p:spPr>
           <a:xfrm>
             <a:off x="3657600" y="2566440"/>
-            <a:ext cx="4114800" cy="1091160"/>
+            <a:ext cx="4114440" cy="1090800"/>
           </a:xfrm>
           <a:prstGeom prst="rect">
             <a:avLst/>
@@ -6273,7 +5826,7 @@
         <p:txBody>
           <a:bodyPr/>
           <a:p>
-            <a:fld id="{4ACE343F-7EE0-4B60-A55D-E543FEB21F26}" type="slidenum">
+            <a:fld id="{678AD15A-F1B0-4775-ABA2-BB73D9B0C263}" type="slidenum">
               <a:t>6</a:t>
             </a:fld>
           </a:p>
@@ -6293,7 +5846,7 @@
         <p:txBody>
           <a:bodyPr/>
           <a:p>
-            <a:fld id="{A8A15130-A8BE-46B2-AAB1-E8576E12A362}" type="datetime1">
+            <a:fld id="{C75D3C4E-60F3-4F8F-A500-E7D14C9A1669}" type="datetime1">
               <a:rPr lang="en-US"/>
               <a:t>12/10/2022</a:t>
             </a:fld>
@@ -6343,7 +5896,7 @@
         <p:spPr>
           <a:xfrm>
             <a:off x="0" y="2130480"/>
-            <a:ext cx="9138960" cy="1464840"/>
+            <a:ext cx="9138600" cy="1464480"/>
           </a:xfrm>
           <a:prstGeom prst="rect">
             <a:avLst/>
@@ -6373,250 +5926,7 @@
                 </a:solidFill>
                 <a:latin typeface="Calibri"/>
               </a:rPr>
-              <a:t>0</a:t>
-            </a:r>
-            <a:r>
-              <a:rPr b="1" lang="en-US" sz="4000" spc="-1" strike="noStrike">
-                <a:solidFill>
-                  <a:srgbClr val="ffff00"/>
-                </a:solidFill>
-                <a:latin typeface="Calibri"/>
-              </a:rPr>
-              <a:t>0</a:t>
-            </a:r>
-            <a:r>
-              <a:rPr b="1" lang="en-US" sz="4000" spc="-1" strike="noStrike">
-                <a:solidFill>
-                  <a:srgbClr val="ffff00"/>
-                </a:solidFill>
-                <a:latin typeface="Calibri"/>
-              </a:rPr>
-              <a:t>4</a:t>
-            </a:r>
-            <a:r>
-              <a:rPr b="1" lang="en-US" sz="4000" spc="-1" strike="noStrike">
-                <a:solidFill>
-                  <a:srgbClr val="ffff00"/>
-                </a:solidFill>
-                <a:latin typeface="Calibri"/>
-              </a:rPr>
-              <a:t>.</a:t>
-            </a:r>
-            <a:r>
-              <a:rPr b="1" lang="en-US" sz="4000" spc="-1" strike="noStrike">
-                <a:solidFill>
-                  <a:srgbClr val="ffff00"/>
-                </a:solidFill>
-                <a:latin typeface="Calibri"/>
-              </a:rPr>
-              <a:t>3</a:t>
-            </a:r>
-            <a:r>
-              <a:rPr b="1" lang="en-US" sz="4000" spc="-1" strike="noStrike">
-                <a:solidFill>
-                  <a:srgbClr val="ffff00"/>
-                </a:solidFill>
-                <a:latin typeface="Calibri"/>
-              </a:rPr>
-              <a:t> </a:t>
-            </a:r>
-            <a:r>
-              <a:rPr b="1" lang="en-US" sz="4000" spc="-1" strike="noStrike">
-                <a:solidFill>
-                  <a:srgbClr val="ffff00"/>
-                </a:solidFill>
-                <a:latin typeface="Calibri"/>
-              </a:rPr>
-              <a:t>S</a:t>
-            </a:r>
-            <a:r>
-              <a:rPr b="1" lang="en-US" sz="4000" spc="-1" strike="noStrike">
-                <a:solidFill>
-                  <a:srgbClr val="ffff00"/>
-                </a:solidFill>
-                <a:latin typeface="Calibri"/>
-              </a:rPr>
-              <a:t>p</a:t>
-            </a:r>
-            <a:r>
-              <a:rPr b="1" lang="en-US" sz="4000" spc="-1" strike="noStrike">
-                <a:solidFill>
-                  <a:srgbClr val="ffff00"/>
-                </a:solidFill>
-                <a:latin typeface="Calibri"/>
-              </a:rPr>
-              <a:t>e</a:t>
-            </a:r>
-            <a:r>
-              <a:rPr b="1" lang="en-US" sz="4000" spc="-1" strike="noStrike">
-                <a:solidFill>
-                  <a:srgbClr val="ffff00"/>
-                </a:solidFill>
-                <a:latin typeface="Calibri"/>
-              </a:rPr>
-              <a:t>c</a:t>
-            </a:r>
-            <a:r>
-              <a:rPr b="1" lang="en-US" sz="4000" spc="-1" strike="noStrike">
-                <a:solidFill>
-                  <a:srgbClr val="ffff00"/>
-                </a:solidFill>
-                <a:latin typeface="Calibri"/>
-              </a:rPr>
-              <a:t>i</a:t>
-            </a:r>
-            <a:r>
-              <a:rPr b="1" lang="en-US" sz="4000" spc="-1" strike="noStrike">
-                <a:solidFill>
-                  <a:srgbClr val="ffff00"/>
-                </a:solidFill>
-                <a:latin typeface="Calibri"/>
-              </a:rPr>
-              <a:t>f</a:t>
-            </a:r>
-            <a:r>
-              <a:rPr b="1" lang="en-US" sz="4000" spc="-1" strike="noStrike">
-                <a:solidFill>
-                  <a:srgbClr val="ffff00"/>
-                </a:solidFill>
-                <a:latin typeface="Calibri"/>
-              </a:rPr>
-              <a:t>y</a:t>
-            </a:r>
-            <a:r>
-              <a:rPr b="1" lang="en-US" sz="4000" spc="-1" strike="noStrike">
-                <a:solidFill>
-                  <a:srgbClr val="ffff00"/>
-                </a:solidFill>
-                <a:latin typeface="Calibri"/>
-              </a:rPr>
-              <a:t> </a:t>
-            </a:r>
-            <a:r>
-              <a:rPr b="1" lang="en-US" sz="4000" spc="-1" strike="noStrike">
-                <a:solidFill>
-                  <a:srgbClr val="ffff00"/>
-                </a:solidFill>
-                <a:latin typeface="Calibri"/>
-              </a:rPr>
-              <a:t>D</a:t>
-            </a:r>
-            <a:r>
-              <a:rPr b="1" lang="en-US" sz="4000" spc="-1" strike="noStrike">
-                <a:solidFill>
-                  <a:srgbClr val="ffff00"/>
-                </a:solidFill>
-                <a:latin typeface="Calibri"/>
-              </a:rPr>
-              <a:t>e</a:t>
-            </a:r>
-            <a:r>
-              <a:rPr b="1" lang="en-US" sz="4000" spc="-1" strike="noStrike">
-                <a:solidFill>
-                  <a:srgbClr val="ffff00"/>
-                </a:solidFill>
-                <a:latin typeface="Calibri"/>
-              </a:rPr>
-              <a:t>v</a:t>
-            </a:r>
-            <a:r>
-              <a:rPr b="1" lang="en-US" sz="4000" spc="-1" strike="noStrike">
-                <a:solidFill>
-                  <a:srgbClr val="ffff00"/>
-                </a:solidFill>
-                <a:latin typeface="Calibri"/>
-              </a:rPr>
-              <a:t>i</a:t>
-            </a:r>
-            <a:r>
-              <a:rPr b="1" lang="en-US" sz="4000" spc="-1" strike="noStrike">
-                <a:solidFill>
-                  <a:srgbClr val="ffff00"/>
-                </a:solidFill>
-                <a:latin typeface="Calibri"/>
-              </a:rPr>
-              <a:t>c</a:t>
-            </a:r>
-            <a:r>
-              <a:rPr b="1" lang="en-US" sz="4000" spc="-1" strike="noStrike">
-                <a:solidFill>
-                  <a:srgbClr val="ffff00"/>
-                </a:solidFill>
-                <a:latin typeface="Calibri"/>
-              </a:rPr>
-              <a:t>e</a:t>
-            </a:r>
-            <a:r>
-              <a:rPr b="1" lang="en-US" sz="4000" spc="-1" strike="noStrike">
-                <a:solidFill>
-                  <a:srgbClr val="ffff00"/>
-                </a:solidFill>
-                <a:latin typeface="Calibri"/>
-              </a:rPr>
-              <a:t> </a:t>
-            </a:r>
-            <a:r>
-              <a:rPr b="1" lang="en-US" sz="4000" spc="-1" strike="noStrike">
-                <a:solidFill>
-                  <a:srgbClr val="ffff00"/>
-                </a:solidFill>
-                <a:latin typeface="Calibri"/>
-              </a:rPr>
-              <a:t>F</a:t>
-            </a:r>
-            <a:r>
-              <a:rPr b="1" lang="en-US" sz="4000" spc="-1" strike="noStrike">
-                <a:solidFill>
-                  <a:srgbClr val="ffff00"/>
-                </a:solidFill>
-                <a:latin typeface="Calibri"/>
-              </a:rPr>
-              <a:t>e</a:t>
-            </a:r>
-            <a:r>
-              <a:rPr b="1" lang="en-US" sz="4000" spc="-1" strike="noStrike">
-                <a:solidFill>
-                  <a:srgbClr val="ffff00"/>
-                </a:solidFill>
-                <a:latin typeface="Calibri"/>
-              </a:rPr>
-              <a:t>a</a:t>
-            </a:r>
-            <a:r>
-              <a:rPr b="1" lang="en-US" sz="4000" spc="-1" strike="noStrike">
-                <a:solidFill>
-                  <a:srgbClr val="ffff00"/>
-                </a:solidFill>
-                <a:latin typeface="Calibri"/>
-              </a:rPr>
-              <a:t>t</a:t>
-            </a:r>
-            <a:r>
-              <a:rPr b="1" lang="en-US" sz="4000" spc="-1" strike="noStrike">
-                <a:solidFill>
-                  <a:srgbClr val="ffff00"/>
-                </a:solidFill>
-                <a:latin typeface="Calibri"/>
-              </a:rPr>
-              <a:t>u</a:t>
-            </a:r>
-            <a:r>
-              <a:rPr b="1" lang="en-US" sz="4000" spc="-1" strike="noStrike">
-                <a:solidFill>
-                  <a:srgbClr val="ffff00"/>
-                </a:solidFill>
-                <a:latin typeface="Calibri"/>
-              </a:rPr>
-              <a:t>r</a:t>
-            </a:r>
-            <a:r>
-              <a:rPr b="1" lang="en-US" sz="4000" spc="-1" strike="noStrike">
-                <a:solidFill>
-                  <a:srgbClr val="ffff00"/>
-                </a:solidFill>
-                <a:latin typeface="Calibri"/>
-              </a:rPr>
-              <a:t>e</a:t>
+              <a:t>004.3 Specify Device Feature</a:t>
             </a:r>
             <a:endParaRPr b="0" lang="en-US" sz="4000" spc="-1" strike="noStrike">
               <a:latin typeface="Arial"/>
@@ -6637,7 +5947,7 @@
         <p:spPr>
           <a:xfrm>
             <a:off x="3564000" y="3707280"/>
-            <a:ext cx="1608840" cy="847800"/>
+            <a:ext cx="1608480" cy="847440"/>
           </a:xfrm>
           <a:prstGeom prst="rect">
             <a:avLst/>
@@ -6661,7 +5971,7 @@
         <p:txBody>
           <a:bodyPr/>
           <a:p>
-            <a:fld id="{0B3356D0-947E-464D-9EFE-4C99E2CE3283}" type="slidenum">
+            <a:fld id="{C7C45470-D196-46B6-938E-70ECFE42B9F0}" type="slidenum">
               <a:t>7</a:t>
             </a:fld>
           </a:p>
@@ -6681,7 +5991,7 @@
         <p:txBody>
           <a:bodyPr/>
           <a:p>
-            <a:fld id="{11672E26-69CC-41D3-B906-5F83A1200176}" type="datetime1">
+            <a:fld id="{BBBFA6E2-8740-4862-AD16-008516E6063E}" type="datetime1">
               <a:rPr lang="en-US"/>
               <a:t>12/10/2022</a:t>
             </a:fld>
@@ -6731,7 +6041,7 @@
         <p:spPr>
           <a:xfrm>
             <a:off x="2880720" y="2039400"/>
-            <a:ext cx="5806080" cy="4590000"/>
+            <a:ext cx="5805720" cy="4589640"/>
           </a:xfrm>
           <a:prstGeom prst="rect">
             <a:avLst/>
@@ -6754,7 +6064,7 @@
         <p:spPr>
           <a:xfrm>
             <a:off x="0" y="2520"/>
-            <a:ext cx="9138960" cy="759600"/>
+            <a:ext cx="9138600" cy="759240"/>
           </a:xfrm>
           <a:prstGeom prst="rect">
             <a:avLst/>
@@ -6813,7 +6123,7 @@
         <p:spPr>
           <a:xfrm>
             <a:off x="467640" y="1371600"/>
-            <a:ext cx="8217360" cy="667800"/>
+            <a:ext cx="8217000" cy="667440"/>
           </a:xfrm>
           <a:prstGeom prst="rect">
             <a:avLst/>
@@ -6869,7 +6179,7 @@
         <p:spPr>
           <a:xfrm>
             <a:off x="0" y="764640"/>
-            <a:ext cx="9138960" cy="354960"/>
+            <a:ext cx="9138600" cy="354600"/>
           </a:xfrm>
           <a:prstGeom prst="rect">
             <a:avLst/>
@@ -6931,7 +6241,7 @@
         <p:spPr>
           <a:xfrm>
             <a:off x="3657600" y="3480840"/>
-            <a:ext cx="4114800" cy="405360"/>
+            <a:ext cx="4114440" cy="405000"/>
           </a:xfrm>
           <a:prstGeom prst="rect">
             <a:avLst/>
@@ -6964,7 +6274,7 @@
         <p:txBody>
           <a:bodyPr/>
           <a:p>
-            <a:fld id="{195FC936-7B9E-4FC3-ADB6-BE170F1CD63A}" type="slidenum">
+            <a:fld id="{F1DBEB72-1DEB-48D9-9F77-EA6486E81B1D}" type="slidenum">
               <a:t>8</a:t>
             </a:fld>
           </a:p>
@@ -6984,7 +6294,7 @@
         <p:txBody>
           <a:bodyPr/>
           <a:p>
-            <a:fld id="{50BFE668-6174-4669-9F3F-053FD4D32F62}" type="datetime1">
+            <a:fld id="{83A0A9DA-1576-4644-8FD5-35AB676730B0}" type="datetime1">
               <a:rPr lang="en-US"/>
               <a:t>12/10/2022</a:t>
             </a:fld>
@@ -7034,7 +6344,7 @@
         <p:spPr>
           <a:xfrm>
             <a:off x="0" y="2130480"/>
-            <a:ext cx="9138960" cy="1464840"/>
+            <a:ext cx="9138600" cy="1464480"/>
           </a:xfrm>
           <a:prstGeom prst="rect">
             <a:avLst/>
@@ -7085,7 +6395,7 @@
         <p:spPr>
           <a:xfrm>
             <a:off x="3564000" y="3707280"/>
-            <a:ext cx="1608840" cy="847800"/>
+            <a:ext cx="1608480" cy="847440"/>
           </a:xfrm>
           <a:prstGeom prst="rect">
             <a:avLst/>
@@ -7109,7 +6419,7 @@
         <p:txBody>
           <a:bodyPr/>
           <a:p>
-            <a:fld id="{FEEC5237-D0B9-4098-BB86-AC2D0A43343D}" type="slidenum">
+            <a:fld id="{9C478AB0-C2FD-45D4-95A0-23EFA2C4B1A1}" type="slidenum">
               <a:t>9</a:t>
             </a:fld>
           </a:p>
@@ -7129,7 +6439,7 @@
         <p:txBody>
           <a:bodyPr/>
           <a:p>
-            <a:fld id="{0E1BFCFB-28D2-4D3D-9CDF-21E1C766AF01}" type="datetime1">
+            <a:fld id="{226AAFA8-7A2F-468F-833B-8F0551C0DEE9}" type="datetime1">
               <a:rPr lang="en-US"/>
               <a:t>12/10/2022</a:t>
             </a:fld>
